--- a/units/5/lessons/3/resources/petascale-lesson-5.3-slides.pptx
+++ b/units/5/lessons/3/resources/petascale-lesson-5.3-slides.pptx
@@ -10,7 +10,7 @@
   </p:notesMasterIdLst>
   <p:sldIdLst>
     <p:sldId id="282" r:id="rId3"/>
-    <p:sldId id="283" r:id="rId4"/>
+    <p:sldId id="284" r:id="rId4"/>
     <p:sldId id="256" r:id="rId5"/>
     <p:sldId id="257" r:id="rId6"/>
     <p:sldId id="258" r:id="rId7"/>
@@ -18907,15 +18907,7 @@
                 <a:ea typeface="Times New Roman" charset="0"/>
                 <a:cs typeface="Times New Roman" charset="0"/>
               </a:rPr>
-              <a:t>Blue Waters Petascale</a:t>
-            </a:r>
-            <a:r>
-              <a:rPr lang="en-US" sz="3600" b="1" dirty="0">
-                <a:latin typeface="Times New Roman" charset="0"/>
-                <a:ea typeface="Times New Roman" charset="0"/>
-                <a:cs typeface="Times New Roman" charset="0"/>
-              </a:rPr>
-              <a:t> Semester Curriculum v1.0</a:t>
+              <a:t>Blue Waters Petascale Semester Curriculum v1.0</a:t>
             </a:r>
             <a:r>
               <a:rPr lang="en-US" sz="3600" dirty="0">
@@ -19040,11 +19032,6 @@
               </a:rPr>
               <a:t>for the Shodor Education Foundation, Inc.</a:t>
             </a:r>
-            <a:endParaRPr lang="en-US" sz="3600" i="1" dirty="0">
-              <a:latin typeface="Times New Roman" charset="0"/>
-              <a:ea typeface="Times New Roman" charset="0"/>
-              <a:cs typeface="Times New Roman" charset="0"/>
-            </a:endParaRPr>
           </a:p>
         </p:txBody>
       </p:sp>
@@ -35679,7 +35666,7 @@
         </p:nvSpPr>
         <p:spPr>
           <a:xfrm>
-            <a:off x="754745" y="0"/>
+            <a:off x="754743" y="0"/>
             <a:ext cx="10682515" cy="6858000"/>
           </a:xfrm>
         </p:spPr>
@@ -35726,7 +35713,23 @@
                 <a:ea typeface="Times New Roman" charset="0"/>
                 <a:cs typeface="Times New Roman" charset="0"/>
               </a:rPr>
-              <a:t>CC BY-NC 4.0. To view a copy of this license, visit </a:t>
+              <a:t>CC </a:t>
+            </a:r>
+            <a:r>
+              <a:rPr lang="en-US" sz="2800" dirty="0">
+                <a:latin typeface="Times New Roman" charset="0"/>
+                <a:ea typeface="Times New Roman" charset="0"/>
+                <a:cs typeface="Times New Roman" charset="0"/>
+              </a:rPr>
+              <a:t>BY-SA </a:t>
+            </a:r>
+            <a:r>
+              <a:rPr lang="en-US" sz="2800" dirty="0">
+                <a:latin typeface="Times New Roman" charset="0"/>
+                <a:ea typeface="Times New Roman" charset="0"/>
+                <a:cs typeface="Times New Roman" charset="0"/>
+              </a:rPr>
+              <a:t>4.0. To view a copy of this license, visit </a:t>
             </a:r>
             <a:r>
               <a:rPr lang="en-US" sz="2800" dirty="0">
@@ -35735,7 +35738,16 @@
                 <a:cs typeface="Times New Roman" charset="0"/>
                 <a:hlinkClick r:id="rId2"/>
               </a:rPr>
-              <a:t>https://creativecommons.org/licenses/by-nc/4.0</a:t>
+              <a:t>https://</a:t>
+            </a:r>
+            <a:r>
+              <a:rPr lang="en-US" sz="2800" dirty="0">
+                <a:latin typeface="Times New Roman" charset="0"/>
+                <a:ea typeface="Times New Roman" charset="0"/>
+                <a:cs typeface="Times New Roman" charset="0"/>
+                <a:hlinkClick r:id="rId2"/>
+              </a:rPr>
+              <a:t>creativecommons.org/licenses/by-sa/4.0</a:t>
             </a:r>
             <a:r>
               <a:rPr lang="en-US" sz="2800" dirty="0">
@@ -35889,20 +35901,13 @@
     </p:spTree>
     <p:extLst>
       <p:ext uri="{BB962C8B-B14F-4D97-AF65-F5344CB8AC3E}">
-        <p14:creationId xmlns:p14="http://schemas.microsoft.com/office/powerpoint/2010/main" val="1457766994"/>
+        <p14:creationId xmlns:p14="http://schemas.microsoft.com/office/powerpoint/2010/main" val="2112560320"/>
       </p:ext>
     </p:extLst>
   </p:cSld>
   <p:clrMapOvr>
     <a:masterClrMapping/>
   </p:clrMapOvr>
-  <p:timing>
-    <p:tnLst>
-      <p:par>
-        <p:cTn id="1" dur="indefinite" restart="never" nodeType="tmRoot"/>
-      </p:par>
-    </p:tnLst>
-  </p:timing>
 </p:sld>
 </file>
 
@@ -38572,19 +38577,7 @@
                 <a:cs typeface="Candara"/>
                 <a:sym typeface="Candara"/>
               </a:rPr>
-              <a:t>2) </a:t>
-            </a:r>
-            <a:r>
-              <a:rPr lang="en-US" sz="2000" dirty="0" smtClean="0">
-                <a:solidFill>
-                  <a:schemeClr val="lt1"/>
-                </a:solidFill>
-                <a:latin typeface="Candara"/>
-                <a:ea typeface="Candara"/>
-                <a:cs typeface="Candara"/>
-                <a:sym typeface="Candara"/>
-              </a:rPr>
-              <a:t>The </a:t>
+              <a:t>2) The </a:t>
             </a:r>
             <a:r>
               <a:rPr lang="en-US" sz="2000" dirty="0">

--- a/units/5/lessons/3/resources/petascale-lesson-5.3-slides.pptx
+++ b/units/5/lessons/3/resources/petascale-lesson-5.3-slides.pptx
@@ -35713,23 +35713,7 @@
                 <a:ea typeface="Times New Roman" charset="0"/>
                 <a:cs typeface="Times New Roman" charset="0"/>
               </a:rPr>
-              <a:t>CC </a:t>
-            </a:r>
-            <a:r>
-              <a:rPr lang="en-US" sz="2800" dirty="0">
-                <a:latin typeface="Times New Roman" charset="0"/>
-                <a:ea typeface="Times New Roman" charset="0"/>
-                <a:cs typeface="Times New Roman" charset="0"/>
-              </a:rPr>
-              <a:t>BY-SA </a:t>
-            </a:r>
-            <a:r>
-              <a:rPr lang="en-US" sz="2800" dirty="0">
-                <a:latin typeface="Times New Roman" charset="0"/>
-                <a:ea typeface="Times New Roman" charset="0"/>
-                <a:cs typeface="Times New Roman" charset="0"/>
-              </a:rPr>
-              <a:t>4.0. To view a copy of this license, visit </a:t>
+              <a:t>CC BY-SA 4.0. To view a copy of this license, visit </a:t>
             </a:r>
             <a:r>
               <a:rPr lang="en-US" sz="2800" dirty="0">
@@ -35738,16 +35722,7 @@
                 <a:cs typeface="Times New Roman" charset="0"/>
                 <a:hlinkClick r:id="rId2"/>
               </a:rPr>
-              <a:t>https://</a:t>
-            </a:r>
-            <a:r>
-              <a:rPr lang="en-US" sz="2800" dirty="0">
-                <a:latin typeface="Times New Roman" charset="0"/>
-                <a:ea typeface="Times New Roman" charset="0"/>
-                <a:cs typeface="Times New Roman" charset="0"/>
-                <a:hlinkClick r:id="rId2"/>
-              </a:rPr>
-              <a:t>creativecommons.org/licenses/by-sa/4.0</a:t>
+              <a:t>https://creativecommons.org/licenses/by-sa/4.0</a:t>
             </a:r>
             <a:r>
               <a:rPr lang="en-US" sz="2800" dirty="0">
@@ -37941,7 +37916,7 @@
               <a:buNone/>
             </a:pPr>
             <a:r>
-              <a:rPr lang="en-US" sz="1100">
+              <a:rPr lang="en-US" sz="1100" dirty="0" err="1">
                 <a:latin typeface="Arial"/>
                 <a:ea typeface="Arial"/>
                 <a:cs typeface="Arial"/>
@@ -37949,7 +37924,7 @@
               </a:rPr>
               <a:t>helloworldmpi.c</a:t>
             </a:r>
-            <a:endParaRPr sz="1100">
+            <a:endParaRPr sz="1100" dirty="0">
               <a:latin typeface="Arial"/>
               <a:ea typeface="Arial"/>
               <a:cs typeface="Arial"/>
@@ -37975,7 +37950,7 @@
               <a:buNone/>
             </a:pPr>
             <a:r>
-              <a:rPr lang="en-US" sz="1100">
+              <a:rPr lang="en-US" sz="1100" dirty="0">
                 <a:solidFill>
                   <a:schemeClr val="dk1"/>
                 </a:solidFill>
@@ -37987,7 +37962,7 @@
               <a:t>#</a:t>
             </a:r>
             <a:r>
-              <a:rPr lang="en-US" sz="1200">
+              <a:rPr lang="en-US" sz="1200" dirty="0">
                 <a:solidFill>
                   <a:srgbClr val="FFFFFF"/>
                 </a:solidFill>
@@ -37996,9 +37971,33 @@
                 <a:cs typeface="Courier New"/>
                 <a:sym typeface="Courier New"/>
               </a:rPr>
-              <a:t>include &lt;mpi.h&gt;</a:t>
+              <a:t>include &lt;</a:t>
             </a:r>
-            <a:endParaRPr sz="1200">
+            <a:r>
+              <a:rPr lang="en-US" sz="1200" dirty="0" err="1">
+                <a:solidFill>
+                  <a:srgbClr val="FFFFFF"/>
+                </a:solidFill>
+                <a:latin typeface="Courier New"/>
+                <a:ea typeface="Courier New"/>
+                <a:cs typeface="Courier New"/>
+                <a:sym typeface="Courier New"/>
+              </a:rPr>
+              <a:t>mpi.h</a:t>
+            </a:r>
+            <a:r>
+              <a:rPr lang="en-US" sz="1200" dirty="0">
+                <a:solidFill>
+                  <a:srgbClr val="FFFFFF"/>
+                </a:solidFill>
+                <a:latin typeface="Courier New"/>
+                <a:ea typeface="Courier New"/>
+                <a:cs typeface="Courier New"/>
+                <a:sym typeface="Courier New"/>
+              </a:rPr>
+              <a:t>&gt;</a:t>
+            </a:r>
+            <a:endParaRPr sz="1200" dirty="0">
               <a:solidFill>
                 <a:srgbClr val="FFFFFF"/>
               </a:solidFill>
@@ -38027,7 +38026,7 @@
               <a:buNone/>
             </a:pPr>
             <a:r>
-              <a:rPr lang="en-US" sz="1200">
+              <a:rPr lang="en-US" sz="1200" dirty="0">
                 <a:solidFill>
                   <a:srgbClr val="FFFFFF"/>
                 </a:solidFill>
@@ -38036,9 +38035,33 @@
                 <a:cs typeface="Courier New"/>
                 <a:sym typeface="Courier New"/>
               </a:rPr>
-              <a:t>#include &lt;stdio.h&gt;</a:t>
+              <a:t>#include &lt;</a:t>
             </a:r>
-            <a:endParaRPr sz="1200">
+            <a:r>
+              <a:rPr lang="en-US" sz="1200" dirty="0" err="1">
+                <a:solidFill>
+                  <a:srgbClr val="FFFFFF"/>
+                </a:solidFill>
+                <a:latin typeface="Courier New"/>
+                <a:ea typeface="Courier New"/>
+                <a:cs typeface="Courier New"/>
+                <a:sym typeface="Courier New"/>
+              </a:rPr>
+              <a:t>stdio.h</a:t>
+            </a:r>
+            <a:r>
+              <a:rPr lang="en-US" sz="1200" dirty="0">
+                <a:solidFill>
+                  <a:srgbClr val="FFFFFF"/>
+                </a:solidFill>
+                <a:latin typeface="Courier New"/>
+                <a:ea typeface="Courier New"/>
+                <a:cs typeface="Courier New"/>
+                <a:sym typeface="Courier New"/>
+              </a:rPr>
+              <a:t>&gt;</a:t>
+            </a:r>
+            <a:endParaRPr sz="1200" dirty="0">
               <a:solidFill>
                 <a:srgbClr val="FFFFFF"/>
               </a:solidFill>
@@ -38067,7 +38090,7 @@
               <a:buNone/>
             </a:pPr>
             <a:r>
-              <a:rPr lang="en-US" sz="1200">
+              <a:rPr lang="en-US" sz="1200" dirty="0" err="1">
                 <a:solidFill>
                   <a:srgbClr val="FFFFFF"/>
                 </a:solidFill>
@@ -38076,9 +38099,93 @@
                 <a:cs typeface="Courier New"/>
                 <a:sym typeface="Courier New"/>
               </a:rPr>
-              <a:t>int main(int argc, char** argv)</a:t>
+              <a:t>int</a:t>
             </a:r>
-            <a:endParaRPr sz="1200">
+            <a:r>
+              <a:rPr lang="en-US" sz="1200" dirty="0">
+                <a:solidFill>
+                  <a:srgbClr val="FFFFFF"/>
+                </a:solidFill>
+                <a:latin typeface="Courier New"/>
+                <a:ea typeface="Courier New"/>
+                <a:cs typeface="Courier New"/>
+                <a:sym typeface="Courier New"/>
+              </a:rPr>
+              <a:t> main(</a:t>
+            </a:r>
+            <a:r>
+              <a:rPr lang="en-US" sz="1200" dirty="0" err="1">
+                <a:solidFill>
+                  <a:srgbClr val="FFFFFF"/>
+                </a:solidFill>
+                <a:latin typeface="Courier New"/>
+                <a:ea typeface="Courier New"/>
+                <a:cs typeface="Courier New"/>
+                <a:sym typeface="Courier New"/>
+              </a:rPr>
+              <a:t>int</a:t>
+            </a:r>
+            <a:r>
+              <a:rPr lang="en-US" sz="1200" dirty="0">
+                <a:solidFill>
+                  <a:srgbClr val="FFFFFF"/>
+                </a:solidFill>
+                <a:latin typeface="Courier New"/>
+                <a:ea typeface="Courier New"/>
+                <a:cs typeface="Courier New"/>
+                <a:sym typeface="Courier New"/>
+              </a:rPr>
+              <a:t> </a:t>
+            </a:r>
+            <a:r>
+              <a:rPr lang="en-US" sz="1200" dirty="0" err="1">
+                <a:solidFill>
+                  <a:srgbClr val="FFFFFF"/>
+                </a:solidFill>
+                <a:latin typeface="Courier New"/>
+                <a:ea typeface="Courier New"/>
+                <a:cs typeface="Courier New"/>
+                <a:sym typeface="Courier New"/>
+              </a:rPr>
+              <a:t>argc</a:t>
+            </a:r>
+            <a:r>
+              <a:rPr lang="en-US" sz="1200" dirty="0">
+                <a:solidFill>
+                  <a:srgbClr val="FFFFFF"/>
+                </a:solidFill>
+                <a:latin typeface="Courier New"/>
+                <a:ea typeface="Courier New"/>
+                <a:cs typeface="Courier New"/>
+                <a:sym typeface="Courier New"/>
+              </a:rPr>
+              <a:t>, char** </a:t>
+            </a:r>
+            <a:r>
+              <a:rPr lang="en-US" sz="1200" dirty="0" err="1">
+                <a:solidFill>
+                  <a:srgbClr val="FFFFFF"/>
+                </a:solidFill>
+                <a:latin typeface="Courier New"/>
+                <a:ea typeface="Courier New"/>
+                <a:cs typeface="Courier New"/>
+                <a:sym typeface="Courier New"/>
+              </a:rPr>
+              <a:t>argv</a:t>
+            </a:r>
+            <a:r>
+              <a:rPr lang="en-US" sz="1200" dirty="0">
+                <a:solidFill>
+                  <a:srgbClr val="FFFFFF"/>
+                </a:solidFill>
+                <a:latin typeface="Courier New"/>
+                <a:ea typeface="Courier New"/>
+                <a:cs typeface="Courier New"/>
+                <a:sym typeface="Courier New"/>
+              </a:rPr>
+              <a:t>)</a:t>
+            </a:r>
+            <a:endParaRPr sz="1200" dirty="0">
               <a:solidFill>
                 <a:srgbClr val="FFFFFF"/>
               </a:solidFill>
@@ -38107,7 +38214,7 @@
               <a:buNone/>
             </a:pPr>
             <a:r>
-              <a:rPr lang="en-US" sz="1200">
+              <a:rPr lang="en-US" sz="1200" dirty="0">
                 <a:solidFill>
                   <a:srgbClr val="FFFFFF"/>
                 </a:solidFill>
@@ -38118,7 +38225,7 @@
               </a:rPr>
               <a:t>{</a:t>
             </a:r>
-            <a:endParaRPr sz="1200">
+            <a:endParaRPr sz="1200" dirty="0">
               <a:solidFill>
                 <a:srgbClr val="FFFFFF"/>
               </a:solidFill>
@@ -38147,7 +38254,7 @@
               <a:buNone/>
             </a:pPr>
             <a:r>
-              <a:rPr lang="en-US" sz="1200">
+              <a:rPr lang="en-US" sz="1200" dirty="0">
                 <a:solidFill>
                   <a:srgbClr val="FFFFFF"/>
                 </a:solidFill>
@@ -38156,9 +38263,81 @@
                 <a:cs typeface="Courier New"/>
                 <a:sym typeface="Courier New"/>
               </a:rPr>
-              <a:t>    MPI_Init(&amp;argc, &amp;argv);</a:t>
+              <a:t>    </a:t>
             </a:r>
-            <a:endParaRPr sz="1200">
+            <a:r>
+              <a:rPr lang="en-US" sz="1200" dirty="0" err="1">
+                <a:solidFill>
+                  <a:srgbClr val="FFFFFF"/>
+                </a:solidFill>
+                <a:latin typeface="Courier New"/>
+                <a:ea typeface="Courier New"/>
+                <a:cs typeface="Courier New"/>
+                <a:sym typeface="Courier New"/>
+              </a:rPr>
+              <a:t>MPI_Init</a:t>
+            </a:r>
+            <a:r>
+              <a:rPr lang="en-US" sz="1200" dirty="0">
+                <a:solidFill>
+                  <a:srgbClr val="FFFFFF"/>
+                </a:solidFill>
+                <a:latin typeface="Courier New"/>
+                <a:ea typeface="Courier New"/>
+                <a:cs typeface="Courier New"/>
+                <a:sym typeface="Courier New"/>
+              </a:rPr>
+              <a:t>(&amp;</a:t>
+            </a:r>
+            <a:r>
+              <a:rPr lang="en-US" sz="1200" dirty="0" err="1">
+                <a:solidFill>
+                  <a:srgbClr val="FFFFFF"/>
+                </a:solidFill>
+                <a:latin typeface="Courier New"/>
+                <a:ea typeface="Courier New"/>
+                <a:cs typeface="Courier New"/>
+                <a:sym typeface="Courier New"/>
+              </a:rPr>
+              <a:t>argc</a:t>
+            </a:r>
+            <a:r>
+              <a:rPr lang="en-US" sz="1200" dirty="0">
+                <a:solidFill>
+                  <a:srgbClr val="FFFFFF"/>
+                </a:solidFill>
+                <a:latin typeface="Courier New"/>
+                <a:ea typeface="Courier New"/>
+                <a:cs typeface="Courier New"/>
+                <a:sym typeface="Courier New"/>
+              </a:rPr>
+              <a:t>, &amp;</a:t>
+            </a:r>
+            <a:r>
+              <a:rPr lang="en-US" sz="1200" dirty="0" err="1">
+                <a:solidFill>
+                  <a:srgbClr val="FFFFFF"/>
+                </a:solidFill>
+                <a:latin typeface="Courier New"/>
+                <a:ea typeface="Courier New"/>
+                <a:cs typeface="Courier New"/>
+                <a:sym typeface="Courier New"/>
+              </a:rPr>
+              <a:t>argv</a:t>
+            </a:r>
+            <a:r>
+              <a:rPr lang="en-US" sz="1200" dirty="0">
+                <a:solidFill>
+                  <a:srgbClr val="FFFFFF"/>
+                </a:solidFill>
+                <a:latin typeface="Courier New"/>
+                <a:ea typeface="Courier New"/>
+                <a:cs typeface="Courier New"/>
+                <a:sym typeface="Courier New"/>
+              </a:rPr>
+              <a:t>);</a:t>
+            </a:r>
+            <a:endParaRPr sz="1200" dirty="0">
               <a:solidFill>
                 <a:srgbClr val="FFFFFF"/>
               </a:solidFill>
@@ -38187,7 +38366,7 @@
               <a:buNone/>
             </a:pPr>
             <a:r>
-              <a:rPr lang="en-US" sz="1200">
+              <a:rPr lang="en-US" sz="1200" dirty="0">
                 <a:solidFill>
                   <a:srgbClr val="FFFFFF"/>
                 </a:solidFill>
@@ -38196,9 +38375,33 @@
                 <a:cs typeface="Courier New"/>
                 <a:sym typeface="Courier New"/>
               </a:rPr>
-              <a:t>    printf(“Hello, World!\n”);</a:t>
+              <a:t>    </a:t>
             </a:r>
-            <a:endParaRPr sz="1200">
+            <a:r>
+              <a:rPr lang="en-US" sz="1200" dirty="0" err="1">
+                <a:solidFill>
+                  <a:srgbClr val="FFFFFF"/>
+                </a:solidFill>
+                <a:latin typeface="Courier New"/>
+                <a:ea typeface="Courier New"/>
+                <a:cs typeface="Courier New"/>
+                <a:sym typeface="Courier New"/>
+              </a:rPr>
+              <a:t>printf</a:t>
+            </a:r>
+            <a:r>
+              <a:rPr lang="en-US" sz="1200" dirty="0">
+                <a:solidFill>
+                  <a:srgbClr val="FFFFFF"/>
+                </a:solidFill>
+                <a:latin typeface="Courier New"/>
+                <a:ea typeface="Courier New"/>
+                <a:cs typeface="Courier New"/>
+                <a:sym typeface="Courier New"/>
+              </a:rPr>
+              <a:t>(“Hello, World!\n”);</a:t>
+            </a:r>
+            <a:endParaRPr sz="1200" dirty="0">
               <a:solidFill>
                 <a:srgbClr val="FFFFFF"/>
               </a:solidFill>
@@ -38227,7 +38430,7 @@
               <a:buNone/>
             </a:pPr>
             <a:r>
-              <a:rPr lang="en-US" sz="1200">
+              <a:rPr lang="en-US" sz="1200" dirty="0">
                 <a:solidFill>
                   <a:srgbClr val="FFFFFF"/>
                 </a:solidFill>
@@ -38236,9 +38439,33 @@
                 <a:cs typeface="Courier New"/>
                 <a:sym typeface="Courier New"/>
               </a:rPr>
-              <a:t>    MPI_Finalize();</a:t>
+              <a:t>    </a:t>
             </a:r>
-            <a:endParaRPr sz="1200">
+            <a:r>
+              <a:rPr lang="en-US" sz="1200" dirty="0" err="1">
+                <a:solidFill>
+                  <a:srgbClr val="FFFFFF"/>
+                </a:solidFill>
+                <a:latin typeface="Courier New"/>
+                <a:ea typeface="Courier New"/>
+                <a:cs typeface="Courier New"/>
+                <a:sym typeface="Courier New"/>
+              </a:rPr>
+              <a:t>MPI_Finalize</a:t>
+            </a:r>
+            <a:r>
+              <a:rPr lang="en-US" sz="1200" dirty="0">
+                <a:solidFill>
+                  <a:srgbClr val="FFFFFF"/>
+                </a:solidFill>
+                <a:latin typeface="Courier New"/>
+                <a:ea typeface="Courier New"/>
+                <a:cs typeface="Courier New"/>
+                <a:sym typeface="Courier New"/>
+              </a:rPr>
+              <a:t>();</a:t>
+            </a:r>
+            <a:endParaRPr sz="1200" dirty="0">
               <a:solidFill>
                 <a:srgbClr val="FFFFFF"/>
               </a:solidFill>
@@ -38267,7 +38494,7 @@
               <a:buNone/>
             </a:pPr>
             <a:r>
-              <a:rPr lang="en-US" sz="1200">
+              <a:rPr lang="en-US" sz="1200" dirty="0">
                 <a:solidFill>
                   <a:srgbClr val="FFFFFF"/>
                 </a:solidFill>
@@ -38276,9 +38503,52 @@
                 <a:cs typeface="Courier New"/>
                 <a:sym typeface="Courier New"/>
               </a:rPr>
-              <a:t>    return 0;</a:t>
+              <a:t>    return 0</a:t>
             </a:r>
-            <a:endParaRPr sz="1200">
+            <a:r>
+              <a:rPr lang="en-US" sz="1200" dirty="0" smtClean="0">
+                <a:solidFill>
+                  <a:srgbClr val="FFFFFF"/>
+                </a:solidFill>
+                <a:latin typeface="Courier New"/>
+                <a:ea typeface="Courier New"/>
+                <a:cs typeface="Courier New"/>
+                <a:sym typeface="Courier New"/>
+              </a:rPr>
+              <a:t>;</a:t>
+            </a:r>
+          </a:p>
+          <a:p>
+            <a:pPr marL="0" lvl="0" indent="0" algn="l" rtl="0">
+              <a:lnSpc>
+                <a:spcPct val="100000"/>
+              </a:lnSpc>
+              <a:spcBef>
+                <a:spcPts val="1200"/>
+              </a:spcBef>
+              <a:spcAft>
+                <a:spcPts val="0"/>
+              </a:spcAft>
+              <a:buClr>
+                <a:schemeClr val="dk1"/>
+              </a:buClr>
+              <a:buSzPts val="1100"/>
+              <a:buFont typeface="Arial"/>
+              <a:buNone/>
+            </a:pPr>
+            <a:r>
+              <a:rPr lang="en-US" sz="1200" dirty="0">
+                <a:solidFill>
+                  <a:srgbClr val="FFFFFF"/>
+                </a:solidFill>
+                <a:latin typeface="Courier New"/>
+                <a:ea typeface="Courier New"/>
+                <a:cs typeface="Courier New"/>
+                <a:sym typeface="Courier New"/>
+              </a:rPr>
+              <a:t>}</a:t>
+            </a:r>
+            <a:endParaRPr sz="1200" dirty="0">
               <a:solidFill>
                 <a:srgbClr val="FFFFFF"/>
               </a:solidFill>
@@ -38307,7 +38577,7 @@
               <a:buNone/>
             </a:pPr>
             <a:r>
-              <a:rPr lang="en-US" sz="1100">
+              <a:rPr lang="en-US" sz="1100" dirty="0">
                 <a:solidFill>
                   <a:schemeClr val="dk1"/>
                 </a:solidFill>
@@ -38318,7 +38588,7 @@
               </a:rPr>
               <a:t>}</a:t>
             </a:r>
-            <a:endParaRPr sz="1100">
+            <a:endParaRPr sz="1100" dirty="0">
               <a:latin typeface="Arial"/>
               <a:ea typeface="Arial"/>
               <a:cs typeface="Arial"/>
